--- a/presentation.pptx
+++ b/presentation.pptx
@@ -513,9 +513,10 @@
           <a:lstStyle/>
           <a:p>
             <a:r>
-              <a:rPr lang="en-US" dirty="0"/>
-              <a:t>Basic introduction</a:t>
-            </a:r>
+              <a:rPr lang="en-US"/>
+              <a:t>https://docs.google.com/document/d/1egYCgb2BdRSMHxRy0f-tzxoYfNVTOxEuowZ0OdfXRzA/edit</a:t>
+            </a:r>
+            <a:endParaRPr lang="en-US" dirty="0"/>
           </a:p>
         </p:txBody>
       </p:sp>
@@ -598,36 +599,6 @@
         <p:txBody>
           <a:bodyPr/>
           <a:lstStyle/>
-          <a:p>
-            <a:pPr marL="171450" indent="-171450">
-              <a:buFontTx/>
-              <a:buChar char="-"/>
-            </a:pPr>
-            <a:r>
-              <a:rPr lang="en-US" dirty="0"/>
-              <a:t>Read the question</a:t>
-            </a:r>
-          </a:p>
-          <a:p>
-            <a:pPr marL="171450" indent="-171450">
-              <a:buFontTx/>
-              <a:buChar char="-"/>
-            </a:pPr>
-            <a:r>
-              <a:rPr lang="en-US" dirty="0"/>
-              <a:t>Define voter shift</a:t>
-            </a:r>
-          </a:p>
-          <a:p>
-            <a:pPr marL="171450" indent="-171450">
-              <a:buFontTx/>
-              <a:buChar char="-"/>
-            </a:pPr>
-            <a:r>
-              <a:rPr lang="en-US" dirty="0"/>
-              <a:t>Go through hypothesis and sub-bullets</a:t>
-            </a:r>
-          </a:p>
           <a:p>
             <a:pPr marL="171450" indent="-171450">
               <a:buFontTx/>

--- a/presentation.pptx
+++ b/presentation.pptx
@@ -2,7 +2,7 @@
 <file path=ppt/presentation.xml><?xml version="1.0" encoding="utf-8"?>
 <p:presentation xmlns:a="http://schemas.openxmlformats.org/drawingml/2006/main" xmlns:r="http://schemas.openxmlformats.org/officeDocument/2006/relationships" xmlns:p="http://schemas.openxmlformats.org/presentationml/2006/main" saveSubsetFonts="1">
   <p:sldMasterIdLst>
-    <p:sldMasterId id="2147483725" r:id="rId1"/>
+    <p:sldMasterId id="2147483795" r:id="rId1"/>
   </p:sldMasterIdLst>
   <p:notesMasterIdLst>
     <p:notesMasterId r:id="rId12"/>
@@ -25,7 +25,7 @@
     <a:defPPr>
       <a:defRPr lang="en-US"/>
     </a:defPPr>
-    <a:lvl1pPr marL="0" algn="l" defTabSz="457200" rtl="0" eaLnBrk="1" latinLnBrk="0" hangingPunct="1">
+    <a:lvl1pPr marL="0" algn="l" defTabSz="914400" rtl="0" eaLnBrk="1" latinLnBrk="0" hangingPunct="1">
       <a:defRPr sz="1800" kern="1200">
         <a:solidFill>
           <a:schemeClr val="tx1"/>
@@ -35,7 +35,7 @@
         <a:cs typeface="+mn-cs"/>
       </a:defRPr>
     </a:lvl1pPr>
-    <a:lvl2pPr marL="457200" algn="l" defTabSz="457200" rtl="0" eaLnBrk="1" latinLnBrk="0" hangingPunct="1">
+    <a:lvl2pPr marL="457200" algn="l" defTabSz="914400" rtl="0" eaLnBrk="1" latinLnBrk="0" hangingPunct="1">
       <a:defRPr sz="1800" kern="1200">
         <a:solidFill>
           <a:schemeClr val="tx1"/>
@@ -45,7 +45,7 @@
         <a:cs typeface="+mn-cs"/>
       </a:defRPr>
     </a:lvl2pPr>
-    <a:lvl3pPr marL="914400" algn="l" defTabSz="457200" rtl="0" eaLnBrk="1" latinLnBrk="0" hangingPunct="1">
+    <a:lvl3pPr marL="914400" algn="l" defTabSz="914400" rtl="0" eaLnBrk="1" latinLnBrk="0" hangingPunct="1">
       <a:defRPr sz="1800" kern="1200">
         <a:solidFill>
           <a:schemeClr val="tx1"/>
@@ -55,7 +55,7 @@
         <a:cs typeface="+mn-cs"/>
       </a:defRPr>
     </a:lvl3pPr>
-    <a:lvl4pPr marL="1371600" algn="l" defTabSz="457200" rtl="0" eaLnBrk="1" latinLnBrk="0" hangingPunct="1">
+    <a:lvl4pPr marL="1371600" algn="l" defTabSz="914400" rtl="0" eaLnBrk="1" latinLnBrk="0" hangingPunct="1">
       <a:defRPr sz="1800" kern="1200">
         <a:solidFill>
           <a:schemeClr val="tx1"/>
@@ -65,7 +65,7 @@
         <a:cs typeface="+mn-cs"/>
       </a:defRPr>
     </a:lvl4pPr>
-    <a:lvl5pPr marL="1828800" algn="l" defTabSz="457200" rtl="0" eaLnBrk="1" latinLnBrk="0" hangingPunct="1">
+    <a:lvl5pPr marL="1828800" algn="l" defTabSz="914400" rtl="0" eaLnBrk="1" latinLnBrk="0" hangingPunct="1">
       <a:defRPr sz="1800" kern="1200">
         <a:solidFill>
           <a:schemeClr val="tx1"/>
@@ -75,7 +75,7 @@
         <a:cs typeface="+mn-cs"/>
       </a:defRPr>
     </a:lvl5pPr>
-    <a:lvl6pPr marL="2286000" algn="l" defTabSz="457200" rtl="0" eaLnBrk="1" latinLnBrk="0" hangingPunct="1">
+    <a:lvl6pPr marL="2286000" algn="l" defTabSz="914400" rtl="0" eaLnBrk="1" latinLnBrk="0" hangingPunct="1">
       <a:defRPr sz="1800" kern="1200">
         <a:solidFill>
           <a:schemeClr val="tx1"/>
@@ -85,7 +85,7 @@
         <a:cs typeface="+mn-cs"/>
       </a:defRPr>
     </a:lvl6pPr>
-    <a:lvl7pPr marL="2743200" algn="l" defTabSz="457200" rtl="0" eaLnBrk="1" latinLnBrk="0" hangingPunct="1">
+    <a:lvl7pPr marL="2743200" algn="l" defTabSz="914400" rtl="0" eaLnBrk="1" latinLnBrk="0" hangingPunct="1">
       <a:defRPr sz="1800" kern="1200">
         <a:solidFill>
           <a:schemeClr val="tx1"/>
@@ -95,7 +95,7 @@
         <a:cs typeface="+mn-cs"/>
       </a:defRPr>
     </a:lvl7pPr>
-    <a:lvl8pPr marL="3200400" algn="l" defTabSz="457200" rtl="0" eaLnBrk="1" latinLnBrk="0" hangingPunct="1">
+    <a:lvl8pPr marL="3200400" algn="l" defTabSz="914400" rtl="0" eaLnBrk="1" latinLnBrk="0" hangingPunct="1">
       <a:defRPr sz="1800" kern="1200">
         <a:solidFill>
           <a:schemeClr val="tx1"/>
@@ -105,7 +105,7 @@
         <a:cs typeface="+mn-cs"/>
       </a:defRPr>
     </a:lvl8pPr>
-    <a:lvl9pPr marL="3657600" algn="l" defTabSz="457200" rtl="0" eaLnBrk="1" latinLnBrk="0" hangingPunct="1">
+    <a:lvl9pPr marL="3657600" algn="l" defTabSz="914400" rtl="0" eaLnBrk="1" latinLnBrk="0" hangingPunct="1">
       <a:defRPr sz="1800" kern="1200">
         <a:solidFill>
           <a:schemeClr val="tx1"/>
@@ -116,6 +116,11 @@
       </a:defRPr>
     </a:lvl9pPr>
   </p:defaultTextStyle>
+  <p:extLst>
+    <p:ext uri="{EFAFB233-063F-42B5-8137-9DF3F51BA10A}">
+      <p15:sldGuideLst xmlns:p15="http://schemas.microsoft.com/office/powerpoint/2012/main"/>
+    </p:ext>
+  </p:extLst>
 </p:presentation>
 </file>
 
@@ -201,7 +206,7 @@
           <a:p>
             <a:fld id="{AF90C3B4-1954-4544-A5FD-882759D8837D}" type="datetimeFigureOut">
               <a:rPr lang="en-US" smtClean="0"/>
-              <a:t>7/10/2021</a:t>
+              <a:t>7/12/2021</a:t>
             </a:fld>
             <a:endParaRPr lang="en-US"/>
           </a:p>
@@ -793,6 +798,90 @@
           <a:p>
             <a:fld id="{9B821400-8ECE-4983-8861-395F04C2BB2D}" type="slidenum">
               <a:rPr lang="en-US" smtClean="0"/>
+              <a:t>6</a:t>
+            </a:fld>
+            <a:endParaRPr lang="en-US"/>
+          </a:p>
+        </p:txBody>
+      </p:sp>
+    </p:spTree>
+    <p:extLst>
+      <p:ext uri="{BB962C8B-B14F-4D97-AF65-F5344CB8AC3E}">
+        <p14:creationId xmlns:p14="http://schemas.microsoft.com/office/powerpoint/2010/main" val="2879283157"/>
+      </p:ext>
+    </p:extLst>
+  </p:cSld>
+  <p:clrMapOvr>
+    <a:masterClrMapping/>
+  </p:clrMapOvr>
+</p:notes>
+</file>
+
+<file path=ppt/notesSlides/notesSlide5.xml><?xml version="1.0" encoding="utf-8"?>
+<p:notes xmlns:a="http://schemas.openxmlformats.org/drawingml/2006/main" xmlns:r="http://schemas.openxmlformats.org/officeDocument/2006/relationships" xmlns:p="http://schemas.openxmlformats.org/presentationml/2006/main">
+  <p:cSld>
+    <p:spTree>
+      <p:nvGrpSpPr>
+        <p:cNvPr id="1" name=""/>
+        <p:cNvGrpSpPr/>
+        <p:nvPr/>
+      </p:nvGrpSpPr>
+      <p:grpSpPr>
+        <a:xfrm>
+          <a:off x="0" y="0"/>
+          <a:ext cx="0" cy="0"/>
+          <a:chOff x="0" y="0"/>
+          <a:chExt cx="0" cy="0"/>
+        </a:xfrm>
+      </p:grpSpPr>
+      <p:sp>
+        <p:nvSpPr>
+          <p:cNvPr id="2" name="Slide Image Placeholder 1"/>
+          <p:cNvSpPr>
+            <a:spLocks noGrp="1" noRot="1" noChangeAspect="1"/>
+          </p:cNvSpPr>
+          <p:nvPr>
+            <p:ph type="sldImg"/>
+          </p:nvPr>
+        </p:nvSpPr>
+        <p:spPr/>
+      </p:sp>
+      <p:sp>
+        <p:nvSpPr>
+          <p:cNvPr id="3" name="Notes Placeholder 2"/>
+          <p:cNvSpPr>
+            <a:spLocks noGrp="1"/>
+          </p:cNvSpPr>
+          <p:nvPr>
+            <p:ph type="body" idx="1"/>
+          </p:nvPr>
+        </p:nvSpPr>
+        <p:spPr/>
+        <p:txBody>
+          <a:bodyPr/>
+          <a:lstStyle/>
+          <a:p>
+            <a:endParaRPr lang="en-US" dirty="0"/>
+          </a:p>
+        </p:txBody>
+      </p:sp>
+      <p:sp>
+        <p:nvSpPr>
+          <p:cNvPr id="4" name="Slide Number Placeholder 3"/>
+          <p:cNvSpPr>
+            <a:spLocks noGrp="1"/>
+          </p:cNvSpPr>
+          <p:nvPr>
+            <p:ph type="sldNum" sz="quarter" idx="5"/>
+          </p:nvPr>
+        </p:nvSpPr>
+        <p:spPr/>
+        <p:txBody>
+          <a:bodyPr/>
+          <a:lstStyle/>
+          <a:p>
+            <a:fld id="{9B821400-8ECE-4983-8861-395F04C2BB2D}" type="slidenum">
+              <a:rPr lang="en-US" smtClean="0"/>
               <a:t>7</a:t>
             </a:fld>
             <a:endParaRPr lang="en-US"/>
@@ -831,7 +920,13 @@
       </p:grpSpPr>
       <p:sp>
         <p:nvSpPr>
-          <p:cNvPr id="2" name="Title 1"/>
+          <p:cNvPr id="2" name="Title 1">
+            <a:extLst>
+              <a:ext uri="{FF2B5EF4-FFF2-40B4-BE49-F238E27FC236}">
+                <a16:creationId xmlns:a16="http://schemas.microsoft.com/office/drawing/2014/main" id="{2D616248-B09A-48BA-9A25-4CDF506EA7B4}"/>
+              </a:ext>
+            </a:extLst>
+          </p:cNvPr>
           <p:cNvSpPr>
             <a:spLocks noGrp="1"/>
           </p:cNvSpPr>
@@ -857,13 +952,18 @@
               <a:rPr lang="en-US"/>
               <a:t>Click to edit Master title style</a:t>
             </a:r>
-            <a:endParaRPr lang="en-US" dirty="0"/>
-          </a:p>
-        </p:txBody>
-      </p:sp>
-      <p:sp>
-        <p:nvSpPr>
-          <p:cNvPr id="3" name="Subtitle 2"/>
+          </a:p>
+        </p:txBody>
+      </p:sp>
+      <p:sp>
+        <p:nvSpPr>
+          <p:cNvPr id="3" name="Subtitle 2">
+            <a:extLst>
+              <a:ext uri="{FF2B5EF4-FFF2-40B4-BE49-F238E27FC236}">
+                <a16:creationId xmlns:a16="http://schemas.microsoft.com/office/drawing/2014/main" id="{88BB649C-0B5E-41C8-B7D1-1402FE20C163}"/>
+              </a:ext>
+            </a:extLst>
+          </p:cNvPr>
           <p:cNvSpPr>
             <a:spLocks noGrp="1"/>
           </p:cNvSpPr>
@@ -922,13 +1022,18 @@
               <a:rPr lang="en-US"/>
               <a:t>Click to edit Master subtitle style</a:t>
             </a:r>
-            <a:endParaRPr lang="en-US" dirty="0"/>
-          </a:p>
-        </p:txBody>
-      </p:sp>
-      <p:sp>
-        <p:nvSpPr>
-          <p:cNvPr id="4" name="Date Placeholder 3"/>
+          </a:p>
+        </p:txBody>
+      </p:sp>
+      <p:sp>
+        <p:nvSpPr>
+          <p:cNvPr id="4" name="Date Placeholder 3">
+            <a:extLst>
+              <a:ext uri="{FF2B5EF4-FFF2-40B4-BE49-F238E27FC236}">
+                <a16:creationId xmlns:a16="http://schemas.microsoft.com/office/drawing/2014/main" id="{5998CF9B-99AC-4685-9D1F-A07B653A7E7A}"/>
+              </a:ext>
+            </a:extLst>
+          </p:cNvPr>
           <p:cNvSpPr>
             <a:spLocks noGrp="1"/>
           </p:cNvSpPr>
@@ -943,7 +1048,7 @@
           <a:p>
             <a:fld id="{931C983E-5D3B-4C37-A717-A9919C294E74}" type="datetimeFigureOut">
               <a:rPr lang="en-US" smtClean="0"/>
-              <a:t>7/10/2021</a:t>
+              <a:t>7/12/2021</a:t>
             </a:fld>
             <a:endParaRPr lang="en-US"/>
           </a:p>
@@ -951,7 +1056,13 @@
       </p:sp>
       <p:sp>
         <p:nvSpPr>
-          <p:cNvPr id="5" name="Footer Placeholder 4"/>
+          <p:cNvPr id="5" name="Footer Placeholder 4">
+            <a:extLst>
+              <a:ext uri="{FF2B5EF4-FFF2-40B4-BE49-F238E27FC236}">
+                <a16:creationId xmlns:a16="http://schemas.microsoft.com/office/drawing/2014/main" id="{3A494305-1F6F-475A-8194-E0947639DA2C}"/>
+              </a:ext>
+            </a:extLst>
+          </p:cNvPr>
           <p:cNvSpPr>
             <a:spLocks noGrp="1"/>
           </p:cNvSpPr>
@@ -970,7 +1081,13 @@
       </p:sp>
       <p:sp>
         <p:nvSpPr>
-          <p:cNvPr id="6" name="Slide Number Placeholder 5"/>
+          <p:cNvPr id="6" name="Slide Number Placeholder 5">
+            <a:extLst>
+              <a:ext uri="{FF2B5EF4-FFF2-40B4-BE49-F238E27FC236}">
+                <a16:creationId xmlns:a16="http://schemas.microsoft.com/office/drawing/2014/main" id="{A909F67B-CC21-49EF-A114-66D28F0F3E23}"/>
+              </a:ext>
+            </a:extLst>
+          </p:cNvPr>
           <p:cNvSpPr>
             <a:spLocks noGrp="1"/>
           </p:cNvSpPr>
@@ -994,7 +1111,7 @@
     </p:spTree>
     <p:extLst>
       <p:ext uri="{BB962C8B-B14F-4D97-AF65-F5344CB8AC3E}">
-        <p14:creationId xmlns:p14="http://schemas.microsoft.com/office/powerpoint/2010/main" val="2093850214"/>
+        <p14:creationId xmlns:p14="http://schemas.microsoft.com/office/powerpoint/2010/main" val="1265742469"/>
       </p:ext>
     </p:extLst>
   </p:cSld>
@@ -1023,7 +1140,13 @@
       </p:grpSpPr>
       <p:sp>
         <p:nvSpPr>
-          <p:cNvPr id="2" name="Title 1"/>
+          <p:cNvPr id="2" name="Title 1">
+            <a:extLst>
+              <a:ext uri="{FF2B5EF4-FFF2-40B4-BE49-F238E27FC236}">
+                <a16:creationId xmlns:a16="http://schemas.microsoft.com/office/drawing/2014/main" id="{797C1C71-9694-430A-AA76-0205793A786D}"/>
+              </a:ext>
+            </a:extLst>
+          </p:cNvPr>
           <p:cNvSpPr>
             <a:spLocks noGrp="1"/>
           </p:cNvSpPr>
@@ -1040,13 +1163,18 @@
               <a:rPr lang="en-US"/>
               <a:t>Click to edit Master title style</a:t>
             </a:r>
-            <a:endParaRPr lang="en-US" dirty="0"/>
-          </a:p>
-        </p:txBody>
-      </p:sp>
-      <p:sp>
-        <p:nvSpPr>
-          <p:cNvPr id="3" name="Vertical Text Placeholder 2"/>
+          </a:p>
+        </p:txBody>
+      </p:sp>
+      <p:sp>
+        <p:nvSpPr>
+          <p:cNvPr id="3" name="Vertical Text Placeholder 2">
+            <a:extLst>
+              <a:ext uri="{FF2B5EF4-FFF2-40B4-BE49-F238E27FC236}">
+                <a16:creationId xmlns:a16="http://schemas.microsoft.com/office/drawing/2014/main" id="{D3726CBB-6A39-4CD4-AA68-6B7A010E8C34}"/>
+              </a:ext>
+            </a:extLst>
+          </p:cNvPr>
           <p:cNvSpPr>
             <a:spLocks noGrp="1"/>
           </p:cNvSpPr>
@@ -1092,13 +1220,18 @@
               <a:rPr lang="en-US"/>
               <a:t>Fifth level</a:t>
             </a:r>
-            <a:endParaRPr lang="en-US" dirty="0"/>
-          </a:p>
-        </p:txBody>
-      </p:sp>
-      <p:sp>
-        <p:nvSpPr>
-          <p:cNvPr id="4" name="Date Placeholder 3"/>
+          </a:p>
+        </p:txBody>
+      </p:sp>
+      <p:sp>
+        <p:nvSpPr>
+          <p:cNvPr id="4" name="Date Placeholder 3">
+            <a:extLst>
+              <a:ext uri="{FF2B5EF4-FFF2-40B4-BE49-F238E27FC236}">
+                <a16:creationId xmlns:a16="http://schemas.microsoft.com/office/drawing/2014/main" id="{F0284CFD-111A-449C-99B8-D7670C428672}"/>
+              </a:ext>
+            </a:extLst>
+          </p:cNvPr>
           <p:cNvSpPr>
             <a:spLocks noGrp="1"/>
           </p:cNvSpPr>
@@ -1113,7 +1246,7 @@
           <a:p>
             <a:fld id="{931C983E-5D3B-4C37-A717-A9919C294E74}" type="datetimeFigureOut">
               <a:rPr lang="en-US" smtClean="0"/>
-              <a:t>7/10/2021</a:t>
+              <a:t>7/12/2021</a:t>
             </a:fld>
             <a:endParaRPr lang="en-US"/>
           </a:p>
@@ -1121,7 +1254,13 @@
       </p:sp>
       <p:sp>
         <p:nvSpPr>
-          <p:cNvPr id="5" name="Footer Placeholder 4"/>
+          <p:cNvPr id="5" name="Footer Placeholder 4">
+            <a:extLst>
+              <a:ext uri="{FF2B5EF4-FFF2-40B4-BE49-F238E27FC236}">
+                <a16:creationId xmlns:a16="http://schemas.microsoft.com/office/drawing/2014/main" id="{C86F8C27-3CF1-4B28-9C97-960747F90107}"/>
+              </a:ext>
+            </a:extLst>
+          </p:cNvPr>
           <p:cNvSpPr>
             <a:spLocks noGrp="1"/>
           </p:cNvSpPr>
@@ -1140,7 +1279,13 @@
       </p:sp>
       <p:sp>
         <p:nvSpPr>
-          <p:cNvPr id="6" name="Slide Number Placeholder 5"/>
+          <p:cNvPr id="6" name="Slide Number Placeholder 5">
+            <a:extLst>
+              <a:ext uri="{FF2B5EF4-FFF2-40B4-BE49-F238E27FC236}">
+                <a16:creationId xmlns:a16="http://schemas.microsoft.com/office/drawing/2014/main" id="{CEE306A7-A0F7-445D-BF8F-9392E1BA6E85}"/>
+              </a:ext>
+            </a:extLst>
+          </p:cNvPr>
           <p:cNvSpPr>
             <a:spLocks noGrp="1"/>
           </p:cNvSpPr>
@@ -1164,7 +1309,7 @@
     </p:spTree>
     <p:extLst>
       <p:ext uri="{BB962C8B-B14F-4D97-AF65-F5344CB8AC3E}">
-        <p14:creationId xmlns:p14="http://schemas.microsoft.com/office/powerpoint/2010/main" val="4179720476"/>
+        <p14:creationId xmlns:p14="http://schemas.microsoft.com/office/powerpoint/2010/main" val="2264935214"/>
       </p:ext>
     </p:extLst>
   </p:cSld>
@@ -1193,7 +1338,13 @@
       </p:grpSpPr>
       <p:sp>
         <p:nvSpPr>
-          <p:cNvPr id="2" name="Vertical Title 1"/>
+          <p:cNvPr id="2" name="Vertical Title 1">
+            <a:extLst>
+              <a:ext uri="{FF2B5EF4-FFF2-40B4-BE49-F238E27FC236}">
+                <a16:creationId xmlns:a16="http://schemas.microsoft.com/office/drawing/2014/main" id="{2E836F2E-8FF8-4B2F-9E2D-076D83813D2C}"/>
+              </a:ext>
+            </a:extLst>
+          </p:cNvPr>
           <p:cNvSpPr>
             <a:spLocks noGrp="1"/>
           </p:cNvSpPr>
@@ -1215,13 +1366,18 @@
               <a:rPr lang="en-US"/>
               <a:t>Click to edit Master title style</a:t>
             </a:r>
-            <a:endParaRPr lang="en-US" dirty="0"/>
-          </a:p>
-        </p:txBody>
-      </p:sp>
-      <p:sp>
-        <p:nvSpPr>
-          <p:cNvPr id="3" name="Vertical Text Placeholder 2"/>
+          </a:p>
+        </p:txBody>
+      </p:sp>
+      <p:sp>
+        <p:nvSpPr>
+          <p:cNvPr id="3" name="Vertical Text Placeholder 2">
+            <a:extLst>
+              <a:ext uri="{FF2B5EF4-FFF2-40B4-BE49-F238E27FC236}">
+                <a16:creationId xmlns:a16="http://schemas.microsoft.com/office/drawing/2014/main" id="{6310A9A4-9BD9-4AFF-A312-7AAEB9BB3DC3}"/>
+              </a:ext>
+            </a:extLst>
+          </p:cNvPr>
           <p:cNvSpPr>
             <a:spLocks noGrp="1"/>
           </p:cNvSpPr>
@@ -1272,13 +1428,18 @@
               <a:rPr lang="en-US"/>
               <a:t>Fifth level</a:t>
             </a:r>
-            <a:endParaRPr lang="en-US" dirty="0"/>
-          </a:p>
-        </p:txBody>
-      </p:sp>
-      <p:sp>
-        <p:nvSpPr>
-          <p:cNvPr id="4" name="Date Placeholder 3"/>
+          </a:p>
+        </p:txBody>
+      </p:sp>
+      <p:sp>
+        <p:nvSpPr>
+          <p:cNvPr id="4" name="Date Placeholder 3">
+            <a:extLst>
+              <a:ext uri="{FF2B5EF4-FFF2-40B4-BE49-F238E27FC236}">
+                <a16:creationId xmlns:a16="http://schemas.microsoft.com/office/drawing/2014/main" id="{638B2E3C-87FF-4F80-BBBB-49647D8C52B7}"/>
+              </a:ext>
+            </a:extLst>
+          </p:cNvPr>
           <p:cNvSpPr>
             <a:spLocks noGrp="1"/>
           </p:cNvSpPr>
@@ -1293,7 +1454,7 @@
           <a:p>
             <a:fld id="{931C983E-5D3B-4C37-A717-A9919C294E74}" type="datetimeFigureOut">
               <a:rPr lang="en-US" smtClean="0"/>
-              <a:t>7/10/2021</a:t>
+              <a:t>7/12/2021</a:t>
             </a:fld>
             <a:endParaRPr lang="en-US"/>
           </a:p>
@@ -1301,7 +1462,13 @@
       </p:sp>
       <p:sp>
         <p:nvSpPr>
-          <p:cNvPr id="5" name="Footer Placeholder 4"/>
+          <p:cNvPr id="5" name="Footer Placeholder 4">
+            <a:extLst>
+              <a:ext uri="{FF2B5EF4-FFF2-40B4-BE49-F238E27FC236}">
+                <a16:creationId xmlns:a16="http://schemas.microsoft.com/office/drawing/2014/main" id="{86492B4C-68F9-4FD8-8D66-8177BE1929AD}"/>
+              </a:ext>
+            </a:extLst>
+          </p:cNvPr>
           <p:cNvSpPr>
             <a:spLocks noGrp="1"/>
           </p:cNvSpPr>
@@ -1320,7 +1487,13 @@
       </p:sp>
       <p:sp>
         <p:nvSpPr>
-          <p:cNvPr id="6" name="Slide Number Placeholder 5"/>
+          <p:cNvPr id="6" name="Slide Number Placeholder 5">
+            <a:extLst>
+              <a:ext uri="{FF2B5EF4-FFF2-40B4-BE49-F238E27FC236}">
+                <a16:creationId xmlns:a16="http://schemas.microsoft.com/office/drawing/2014/main" id="{C1CB7583-EC85-4B79-8447-1134DD105CC5}"/>
+              </a:ext>
+            </a:extLst>
+          </p:cNvPr>
           <p:cNvSpPr>
             <a:spLocks noGrp="1"/>
           </p:cNvSpPr>
@@ -1344,7 +1517,7 @@
     </p:spTree>
     <p:extLst>
       <p:ext uri="{BB962C8B-B14F-4D97-AF65-F5344CB8AC3E}">
-        <p14:creationId xmlns:p14="http://schemas.microsoft.com/office/powerpoint/2010/main" val="950010811"/>
+        <p14:creationId xmlns:p14="http://schemas.microsoft.com/office/powerpoint/2010/main" val="3991561633"/>
       </p:ext>
     </p:extLst>
   </p:cSld>
@@ -1373,7 +1546,13 @@
       </p:grpSpPr>
       <p:sp>
         <p:nvSpPr>
-          <p:cNvPr id="2" name="Title 1"/>
+          <p:cNvPr id="2" name="Title 1">
+            <a:extLst>
+              <a:ext uri="{FF2B5EF4-FFF2-40B4-BE49-F238E27FC236}">
+                <a16:creationId xmlns:a16="http://schemas.microsoft.com/office/drawing/2014/main" id="{3F7238F5-51C2-42B8-B122-48D0AF62E9A3}"/>
+              </a:ext>
+            </a:extLst>
+          </p:cNvPr>
           <p:cNvSpPr>
             <a:spLocks noGrp="1"/>
           </p:cNvSpPr>
@@ -1390,13 +1569,18 @@
               <a:rPr lang="en-US"/>
               <a:t>Click to edit Master title style</a:t>
             </a:r>
-            <a:endParaRPr lang="en-US" dirty="0"/>
-          </a:p>
-        </p:txBody>
-      </p:sp>
-      <p:sp>
-        <p:nvSpPr>
-          <p:cNvPr id="3" name="Content Placeholder 2"/>
+          </a:p>
+        </p:txBody>
+      </p:sp>
+      <p:sp>
+        <p:nvSpPr>
+          <p:cNvPr id="3" name="Content Placeholder 2">
+            <a:extLst>
+              <a:ext uri="{FF2B5EF4-FFF2-40B4-BE49-F238E27FC236}">
+                <a16:creationId xmlns:a16="http://schemas.microsoft.com/office/drawing/2014/main" id="{9C2F4DA2-BDA4-48F2-9437-EAB2196EEF56}"/>
+              </a:ext>
+            </a:extLst>
+          </p:cNvPr>
           <p:cNvSpPr>
             <a:spLocks noGrp="1"/>
           </p:cNvSpPr>
@@ -1442,13 +1626,18 @@
               <a:rPr lang="en-US"/>
               <a:t>Fifth level</a:t>
             </a:r>
-            <a:endParaRPr lang="en-US" dirty="0"/>
-          </a:p>
-        </p:txBody>
-      </p:sp>
-      <p:sp>
-        <p:nvSpPr>
-          <p:cNvPr id="4" name="Date Placeholder 3"/>
+          </a:p>
+        </p:txBody>
+      </p:sp>
+      <p:sp>
+        <p:nvSpPr>
+          <p:cNvPr id="4" name="Date Placeholder 3">
+            <a:extLst>
+              <a:ext uri="{FF2B5EF4-FFF2-40B4-BE49-F238E27FC236}">
+                <a16:creationId xmlns:a16="http://schemas.microsoft.com/office/drawing/2014/main" id="{D4BB2925-7701-431C-A5DF-6C0771BE34C6}"/>
+              </a:ext>
+            </a:extLst>
+          </p:cNvPr>
           <p:cNvSpPr>
             <a:spLocks noGrp="1"/>
           </p:cNvSpPr>
@@ -1463,7 +1652,7 @@
           <a:p>
             <a:fld id="{931C983E-5D3B-4C37-A717-A9919C294E74}" type="datetimeFigureOut">
               <a:rPr lang="en-US" smtClean="0"/>
-              <a:t>7/10/2021</a:t>
+              <a:t>7/12/2021</a:t>
             </a:fld>
             <a:endParaRPr lang="en-US"/>
           </a:p>
@@ -1471,7 +1660,13 @@
       </p:sp>
       <p:sp>
         <p:nvSpPr>
-          <p:cNvPr id="5" name="Footer Placeholder 4"/>
+          <p:cNvPr id="5" name="Footer Placeholder 4">
+            <a:extLst>
+              <a:ext uri="{FF2B5EF4-FFF2-40B4-BE49-F238E27FC236}">
+                <a16:creationId xmlns:a16="http://schemas.microsoft.com/office/drawing/2014/main" id="{3EC587AF-D3DE-4A6B-AA7D-313A0CAECD01}"/>
+              </a:ext>
+            </a:extLst>
+          </p:cNvPr>
           <p:cNvSpPr>
             <a:spLocks noGrp="1"/>
           </p:cNvSpPr>
@@ -1490,7 +1685,13 @@
       </p:sp>
       <p:sp>
         <p:nvSpPr>
-          <p:cNvPr id="6" name="Slide Number Placeholder 5"/>
+          <p:cNvPr id="6" name="Slide Number Placeholder 5">
+            <a:extLst>
+              <a:ext uri="{FF2B5EF4-FFF2-40B4-BE49-F238E27FC236}">
+                <a16:creationId xmlns:a16="http://schemas.microsoft.com/office/drawing/2014/main" id="{0FDFB0FA-B24F-4B94-B762-02FA4026FA39}"/>
+              </a:ext>
+            </a:extLst>
+          </p:cNvPr>
           <p:cNvSpPr>
             <a:spLocks noGrp="1"/>
           </p:cNvSpPr>
@@ -1514,7 +1715,7 @@
     </p:spTree>
     <p:extLst>
       <p:ext uri="{BB962C8B-B14F-4D97-AF65-F5344CB8AC3E}">
-        <p14:creationId xmlns:p14="http://schemas.microsoft.com/office/powerpoint/2010/main" val="4006675900"/>
+        <p14:creationId xmlns:p14="http://schemas.microsoft.com/office/powerpoint/2010/main" val="1094738532"/>
       </p:ext>
     </p:extLst>
   </p:cSld>
@@ -1543,7 +1744,13 @@
       </p:grpSpPr>
       <p:sp>
         <p:nvSpPr>
-          <p:cNvPr id="2" name="Title 1"/>
+          <p:cNvPr id="2" name="Title 1">
+            <a:extLst>
+              <a:ext uri="{FF2B5EF4-FFF2-40B4-BE49-F238E27FC236}">
+                <a16:creationId xmlns:a16="http://schemas.microsoft.com/office/drawing/2014/main" id="{7009995E-3259-4EB1-89A9-24F66174EE01}"/>
+              </a:ext>
+            </a:extLst>
+          </p:cNvPr>
           <p:cNvSpPr>
             <a:spLocks noGrp="1"/>
           </p:cNvSpPr>
@@ -1569,13 +1776,18 @@
               <a:rPr lang="en-US"/>
               <a:t>Click to edit Master title style</a:t>
             </a:r>
-            <a:endParaRPr lang="en-US" dirty="0"/>
-          </a:p>
-        </p:txBody>
-      </p:sp>
-      <p:sp>
-        <p:nvSpPr>
-          <p:cNvPr id="3" name="Text Placeholder 2"/>
+          </a:p>
+        </p:txBody>
+      </p:sp>
+      <p:sp>
+        <p:nvSpPr>
+          <p:cNvPr id="3" name="Text Placeholder 2">
+            <a:extLst>
+              <a:ext uri="{FF2B5EF4-FFF2-40B4-BE49-F238E27FC236}">
+                <a16:creationId xmlns:a16="http://schemas.microsoft.com/office/drawing/2014/main" id="{24695645-27A8-416C-91A8-EBA215799E03}"/>
+              </a:ext>
+            </a:extLst>
+          </p:cNvPr>
           <p:cNvSpPr>
             <a:spLocks noGrp="1"/>
           </p:cNvSpPr>
@@ -1694,7 +1906,13 @@
       </p:sp>
       <p:sp>
         <p:nvSpPr>
-          <p:cNvPr id="4" name="Date Placeholder 3"/>
+          <p:cNvPr id="4" name="Date Placeholder 3">
+            <a:extLst>
+              <a:ext uri="{FF2B5EF4-FFF2-40B4-BE49-F238E27FC236}">
+                <a16:creationId xmlns:a16="http://schemas.microsoft.com/office/drawing/2014/main" id="{A702DCD9-D906-47C7-9F1C-F0EB61168D32}"/>
+              </a:ext>
+            </a:extLst>
+          </p:cNvPr>
           <p:cNvSpPr>
             <a:spLocks noGrp="1"/>
           </p:cNvSpPr>
@@ -1709,7 +1927,7 @@
           <a:p>
             <a:fld id="{931C983E-5D3B-4C37-A717-A9919C294E74}" type="datetimeFigureOut">
               <a:rPr lang="en-US" smtClean="0"/>
-              <a:t>7/10/2021</a:t>
+              <a:t>7/12/2021</a:t>
             </a:fld>
             <a:endParaRPr lang="en-US"/>
           </a:p>
@@ -1717,7 +1935,13 @@
       </p:sp>
       <p:sp>
         <p:nvSpPr>
-          <p:cNvPr id="5" name="Footer Placeholder 4"/>
+          <p:cNvPr id="5" name="Footer Placeholder 4">
+            <a:extLst>
+              <a:ext uri="{FF2B5EF4-FFF2-40B4-BE49-F238E27FC236}">
+                <a16:creationId xmlns:a16="http://schemas.microsoft.com/office/drawing/2014/main" id="{7D12754B-C87A-4EC8-B97D-BE79C8F35B27}"/>
+              </a:ext>
+            </a:extLst>
+          </p:cNvPr>
           <p:cNvSpPr>
             <a:spLocks noGrp="1"/>
           </p:cNvSpPr>
@@ -1736,7 +1960,13 @@
       </p:sp>
       <p:sp>
         <p:nvSpPr>
-          <p:cNvPr id="6" name="Slide Number Placeholder 5"/>
+          <p:cNvPr id="6" name="Slide Number Placeholder 5">
+            <a:extLst>
+              <a:ext uri="{FF2B5EF4-FFF2-40B4-BE49-F238E27FC236}">
+                <a16:creationId xmlns:a16="http://schemas.microsoft.com/office/drawing/2014/main" id="{A8046AB9-7FE6-4B68-AAC0-D78E73EC03DF}"/>
+              </a:ext>
+            </a:extLst>
+          </p:cNvPr>
           <p:cNvSpPr>
             <a:spLocks noGrp="1"/>
           </p:cNvSpPr>
@@ -1760,7 +1990,7 @@
     </p:spTree>
     <p:extLst>
       <p:ext uri="{BB962C8B-B14F-4D97-AF65-F5344CB8AC3E}">
-        <p14:creationId xmlns:p14="http://schemas.microsoft.com/office/powerpoint/2010/main" val="2256951822"/>
+        <p14:creationId xmlns:p14="http://schemas.microsoft.com/office/powerpoint/2010/main" val="4234054781"/>
       </p:ext>
     </p:extLst>
   </p:cSld>
@@ -1789,7 +2019,13 @@
       </p:grpSpPr>
       <p:sp>
         <p:nvSpPr>
-          <p:cNvPr id="2" name="Title 1"/>
+          <p:cNvPr id="2" name="Title 1">
+            <a:extLst>
+              <a:ext uri="{FF2B5EF4-FFF2-40B4-BE49-F238E27FC236}">
+                <a16:creationId xmlns:a16="http://schemas.microsoft.com/office/drawing/2014/main" id="{FBC07AEB-4A28-4EB7-B38D-55BFC7A22633}"/>
+              </a:ext>
+            </a:extLst>
+          </p:cNvPr>
           <p:cNvSpPr>
             <a:spLocks noGrp="1"/>
           </p:cNvSpPr>
@@ -1806,13 +2042,18 @@
               <a:rPr lang="en-US"/>
               <a:t>Click to edit Master title style</a:t>
             </a:r>
-            <a:endParaRPr lang="en-US" dirty="0"/>
-          </a:p>
-        </p:txBody>
-      </p:sp>
-      <p:sp>
-        <p:nvSpPr>
-          <p:cNvPr id="3" name="Content Placeholder 2"/>
+          </a:p>
+        </p:txBody>
+      </p:sp>
+      <p:sp>
+        <p:nvSpPr>
+          <p:cNvPr id="3" name="Content Placeholder 2">
+            <a:extLst>
+              <a:ext uri="{FF2B5EF4-FFF2-40B4-BE49-F238E27FC236}">
+                <a16:creationId xmlns:a16="http://schemas.microsoft.com/office/drawing/2014/main" id="{E0E760A4-EE24-4435-850E-76F19F94176A}"/>
+              </a:ext>
+            </a:extLst>
+          </p:cNvPr>
           <p:cNvSpPr>
             <a:spLocks noGrp="1"/>
           </p:cNvSpPr>
@@ -1863,13 +2104,18 @@
               <a:rPr lang="en-US"/>
               <a:t>Fifth level</a:t>
             </a:r>
-            <a:endParaRPr lang="en-US" dirty="0"/>
-          </a:p>
-        </p:txBody>
-      </p:sp>
-      <p:sp>
-        <p:nvSpPr>
-          <p:cNvPr id="4" name="Content Placeholder 3"/>
+          </a:p>
+        </p:txBody>
+      </p:sp>
+      <p:sp>
+        <p:nvSpPr>
+          <p:cNvPr id="4" name="Content Placeholder 3">
+            <a:extLst>
+              <a:ext uri="{FF2B5EF4-FFF2-40B4-BE49-F238E27FC236}">
+                <a16:creationId xmlns:a16="http://schemas.microsoft.com/office/drawing/2014/main" id="{E484C442-B920-4A9B-BFFE-55C1FD306819}"/>
+              </a:ext>
+            </a:extLst>
+          </p:cNvPr>
           <p:cNvSpPr>
             <a:spLocks noGrp="1"/>
           </p:cNvSpPr>
@@ -1920,13 +2166,18 @@
               <a:rPr lang="en-US"/>
               <a:t>Fifth level</a:t>
             </a:r>
-            <a:endParaRPr lang="en-US" dirty="0"/>
-          </a:p>
-        </p:txBody>
-      </p:sp>
-      <p:sp>
-        <p:nvSpPr>
-          <p:cNvPr id="5" name="Date Placeholder 4"/>
+          </a:p>
+        </p:txBody>
+      </p:sp>
+      <p:sp>
+        <p:nvSpPr>
+          <p:cNvPr id="5" name="Date Placeholder 4">
+            <a:extLst>
+              <a:ext uri="{FF2B5EF4-FFF2-40B4-BE49-F238E27FC236}">
+                <a16:creationId xmlns:a16="http://schemas.microsoft.com/office/drawing/2014/main" id="{A6C780D4-FB9D-4284-A84E-E3847772D4E1}"/>
+              </a:ext>
+            </a:extLst>
+          </p:cNvPr>
           <p:cNvSpPr>
             <a:spLocks noGrp="1"/>
           </p:cNvSpPr>
@@ -1941,7 +2192,7 @@
           <a:p>
             <a:fld id="{931C983E-5D3B-4C37-A717-A9919C294E74}" type="datetimeFigureOut">
               <a:rPr lang="en-US" smtClean="0"/>
-              <a:t>7/10/2021</a:t>
+              <a:t>7/12/2021</a:t>
             </a:fld>
             <a:endParaRPr lang="en-US"/>
           </a:p>
@@ -1949,7 +2200,13 @@
       </p:sp>
       <p:sp>
         <p:nvSpPr>
-          <p:cNvPr id="6" name="Footer Placeholder 5"/>
+          <p:cNvPr id="6" name="Footer Placeholder 5">
+            <a:extLst>
+              <a:ext uri="{FF2B5EF4-FFF2-40B4-BE49-F238E27FC236}">
+                <a16:creationId xmlns:a16="http://schemas.microsoft.com/office/drawing/2014/main" id="{CD46BCEB-7A59-4604-BA91-BB4A1A23A932}"/>
+              </a:ext>
+            </a:extLst>
+          </p:cNvPr>
           <p:cNvSpPr>
             <a:spLocks noGrp="1"/>
           </p:cNvSpPr>
@@ -1968,7 +2225,13 @@
       </p:sp>
       <p:sp>
         <p:nvSpPr>
-          <p:cNvPr id="7" name="Slide Number Placeholder 6"/>
+          <p:cNvPr id="7" name="Slide Number Placeholder 6">
+            <a:extLst>
+              <a:ext uri="{FF2B5EF4-FFF2-40B4-BE49-F238E27FC236}">
+                <a16:creationId xmlns:a16="http://schemas.microsoft.com/office/drawing/2014/main" id="{6A4FEA65-2036-4838-9558-09B9E99036DE}"/>
+              </a:ext>
+            </a:extLst>
+          </p:cNvPr>
           <p:cNvSpPr>
             <a:spLocks noGrp="1"/>
           </p:cNvSpPr>
@@ -1992,7 +2255,7 @@
     </p:spTree>
     <p:extLst>
       <p:ext uri="{BB962C8B-B14F-4D97-AF65-F5344CB8AC3E}">
-        <p14:creationId xmlns:p14="http://schemas.microsoft.com/office/powerpoint/2010/main" val="2158770018"/>
+        <p14:creationId xmlns:p14="http://schemas.microsoft.com/office/powerpoint/2010/main" val="2154448093"/>
       </p:ext>
     </p:extLst>
   </p:cSld>
@@ -2021,7 +2284,13 @@
       </p:grpSpPr>
       <p:sp>
         <p:nvSpPr>
-          <p:cNvPr id="2" name="Title 1"/>
+          <p:cNvPr id="2" name="Title 1">
+            <a:extLst>
+              <a:ext uri="{FF2B5EF4-FFF2-40B4-BE49-F238E27FC236}">
+                <a16:creationId xmlns:a16="http://schemas.microsoft.com/office/drawing/2014/main" id="{75148912-8EB7-474C-BEA6-74638B257367}"/>
+              </a:ext>
+            </a:extLst>
+          </p:cNvPr>
           <p:cNvSpPr>
             <a:spLocks noGrp="1"/>
           </p:cNvSpPr>
@@ -2043,13 +2312,18 @@
               <a:rPr lang="en-US"/>
               <a:t>Click to edit Master title style</a:t>
             </a:r>
-            <a:endParaRPr lang="en-US" dirty="0"/>
-          </a:p>
-        </p:txBody>
-      </p:sp>
-      <p:sp>
-        <p:nvSpPr>
-          <p:cNvPr id="3" name="Text Placeholder 2"/>
+          </a:p>
+        </p:txBody>
+      </p:sp>
+      <p:sp>
+        <p:nvSpPr>
+          <p:cNvPr id="3" name="Text Placeholder 2">
+            <a:extLst>
+              <a:ext uri="{FF2B5EF4-FFF2-40B4-BE49-F238E27FC236}">
+                <a16:creationId xmlns:a16="http://schemas.microsoft.com/office/drawing/2014/main" id="{430AD84F-2848-45F9-95C3-38E7CFAC872D}"/>
+              </a:ext>
+            </a:extLst>
+          </p:cNvPr>
           <p:cNvSpPr>
             <a:spLocks noGrp="1"/>
           </p:cNvSpPr>
@@ -2114,7 +2388,13 @@
       </p:sp>
       <p:sp>
         <p:nvSpPr>
-          <p:cNvPr id="4" name="Content Placeholder 3"/>
+          <p:cNvPr id="4" name="Content Placeholder 3">
+            <a:extLst>
+              <a:ext uri="{FF2B5EF4-FFF2-40B4-BE49-F238E27FC236}">
+                <a16:creationId xmlns:a16="http://schemas.microsoft.com/office/drawing/2014/main" id="{A8ECCD7F-7F9C-46A8-A230-2BBDCA0C4AF2}"/>
+              </a:ext>
+            </a:extLst>
+          </p:cNvPr>
           <p:cNvSpPr>
             <a:spLocks noGrp="1"/>
           </p:cNvSpPr>
@@ -2165,13 +2445,18 @@
               <a:rPr lang="en-US"/>
               <a:t>Fifth level</a:t>
             </a:r>
-            <a:endParaRPr lang="en-US" dirty="0"/>
-          </a:p>
-        </p:txBody>
-      </p:sp>
-      <p:sp>
-        <p:nvSpPr>
-          <p:cNvPr id="5" name="Text Placeholder 4"/>
+          </a:p>
+        </p:txBody>
+      </p:sp>
+      <p:sp>
+        <p:nvSpPr>
+          <p:cNvPr id="5" name="Text Placeholder 4">
+            <a:extLst>
+              <a:ext uri="{FF2B5EF4-FFF2-40B4-BE49-F238E27FC236}">
+                <a16:creationId xmlns:a16="http://schemas.microsoft.com/office/drawing/2014/main" id="{BA314B1D-4BCA-48F4-88D1-1B00D5FCF042}"/>
+              </a:ext>
+            </a:extLst>
+          </p:cNvPr>
           <p:cNvSpPr>
             <a:spLocks noGrp="1"/>
           </p:cNvSpPr>
@@ -2236,7 +2521,13 @@
       </p:sp>
       <p:sp>
         <p:nvSpPr>
-          <p:cNvPr id="6" name="Content Placeholder 5"/>
+          <p:cNvPr id="6" name="Content Placeholder 5">
+            <a:extLst>
+              <a:ext uri="{FF2B5EF4-FFF2-40B4-BE49-F238E27FC236}">
+                <a16:creationId xmlns:a16="http://schemas.microsoft.com/office/drawing/2014/main" id="{06295DE0-6E9C-4577-8210-BA816552617E}"/>
+              </a:ext>
+            </a:extLst>
+          </p:cNvPr>
           <p:cNvSpPr>
             <a:spLocks noGrp="1"/>
           </p:cNvSpPr>
@@ -2287,13 +2578,18 @@
               <a:rPr lang="en-US"/>
               <a:t>Fifth level</a:t>
             </a:r>
-            <a:endParaRPr lang="en-US" dirty="0"/>
-          </a:p>
-        </p:txBody>
-      </p:sp>
-      <p:sp>
-        <p:nvSpPr>
-          <p:cNvPr id="7" name="Date Placeholder 6"/>
+          </a:p>
+        </p:txBody>
+      </p:sp>
+      <p:sp>
+        <p:nvSpPr>
+          <p:cNvPr id="7" name="Date Placeholder 6">
+            <a:extLst>
+              <a:ext uri="{FF2B5EF4-FFF2-40B4-BE49-F238E27FC236}">
+                <a16:creationId xmlns:a16="http://schemas.microsoft.com/office/drawing/2014/main" id="{3C28DE30-73C5-4D97-8773-FBAD71B7BE25}"/>
+              </a:ext>
+            </a:extLst>
+          </p:cNvPr>
           <p:cNvSpPr>
             <a:spLocks noGrp="1"/>
           </p:cNvSpPr>
@@ -2308,7 +2604,7 @@
           <a:p>
             <a:fld id="{931C983E-5D3B-4C37-A717-A9919C294E74}" type="datetimeFigureOut">
               <a:rPr lang="en-US" smtClean="0"/>
-              <a:t>7/10/2021</a:t>
+              <a:t>7/12/2021</a:t>
             </a:fld>
             <a:endParaRPr lang="en-US"/>
           </a:p>
@@ -2316,7 +2612,13 @@
       </p:sp>
       <p:sp>
         <p:nvSpPr>
-          <p:cNvPr id="8" name="Footer Placeholder 7"/>
+          <p:cNvPr id="8" name="Footer Placeholder 7">
+            <a:extLst>
+              <a:ext uri="{FF2B5EF4-FFF2-40B4-BE49-F238E27FC236}">
+                <a16:creationId xmlns:a16="http://schemas.microsoft.com/office/drawing/2014/main" id="{7425B20D-99AD-419C-BCA6-A3203CA57FD2}"/>
+              </a:ext>
+            </a:extLst>
+          </p:cNvPr>
           <p:cNvSpPr>
             <a:spLocks noGrp="1"/>
           </p:cNvSpPr>
@@ -2335,7 +2637,13 @@
       </p:sp>
       <p:sp>
         <p:nvSpPr>
-          <p:cNvPr id="9" name="Slide Number Placeholder 8"/>
+          <p:cNvPr id="9" name="Slide Number Placeholder 8">
+            <a:extLst>
+              <a:ext uri="{FF2B5EF4-FFF2-40B4-BE49-F238E27FC236}">
+                <a16:creationId xmlns:a16="http://schemas.microsoft.com/office/drawing/2014/main" id="{E6017E39-B601-4EE0-95D6-4569F02A23BD}"/>
+              </a:ext>
+            </a:extLst>
+          </p:cNvPr>
           <p:cNvSpPr>
             <a:spLocks noGrp="1"/>
           </p:cNvSpPr>
@@ -2359,7 +2667,7 @@
     </p:spTree>
     <p:extLst>
       <p:ext uri="{BB962C8B-B14F-4D97-AF65-F5344CB8AC3E}">
-        <p14:creationId xmlns:p14="http://schemas.microsoft.com/office/powerpoint/2010/main" val="1799774759"/>
+        <p14:creationId xmlns:p14="http://schemas.microsoft.com/office/powerpoint/2010/main" val="2246509411"/>
       </p:ext>
     </p:extLst>
   </p:cSld>
@@ -2388,7 +2696,13 @@
       </p:grpSpPr>
       <p:sp>
         <p:nvSpPr>
-          <p:cNvPr id="2" name="Title 1"/>
+          <p:cNvPr id="2" name="Title 1">
+            <a:extLst>
+              <a:ext uri="{FF2B5EF4-FFF2-40B4-BE49-F238E27FC236}">
+                <a16:creationId xmlns:a16="http://schemas.microsoft.com/office/drawing/2014/main" id="{42E34BA3-8DD4-43DB-9F7C-C5878D4E76BE}"/>
+              </a:ext>
+            </a:extLst>
+          </p:cNvPr>
           <p:cNvSpPr>
             <a:spLocks noGrp="1"/>
           </p:cNvSpPr>
@@ -2405,13 +2719,18 @@
               <a:rPr lang="en-US"/>
               <a:t>Click to edit Master title style</a:t>
             </a:r>
-            <a:endParaRPr lang="en-US" dirty="0"/>
-          </a:p>
-        </p:txBody>
-      </p:sp>
-      <p:sp>
-        <p:nvSpPr>
-          <p:cNvPr id="3" name="Date Placeholder 2"/>
+          </a:p>
+        </p:txBody>
+      </p:sp>
+      <p:sp>
+        <p:nvSpPr>
+          <p:cNvPr id="3" name="Date Placeholder 2">
+            <a:extLst>
+              <a:ext uri="{FF2B5EF4-FFF2-40B4-BE49-F238E27FC236}">
+                <a16:creationId xmlns:a16="http://schemas.microsoft.com/office/drawing/2014/main" id="{406E0E70-DA64-4A50-ADA8-2525220AA703}"/>
+              </a:ext>
+            </a:extLst>
+          </p:cNvPr>
           <p:cNvSpPr>
             <a:spLocks noGrp="1"/>
           </p:cNvSpPr>
@@ -2426,7 +2745,7 @@
           <a:p>
             <a:fld id="{931C983E-5D3B-4C37-A717-A9919C294E74}" type="datetimeFigureOut">
               <a:rPr lang="en-US" smtClean="0"/>
-              <a:t>7/10/2021</a:t>
+              <a:t>7/12/2021</a:t>
             </a:fld>
             <a:endParaRPr lang="en-US"/>
           </a:p>
@@ -2434,7 +2753,13 @@
       </p:sp>
       <p:sp>
         <p:nvSpPr>
-          <p:cNvPr id="4" name="Footer Placeholder 3"/>
+          <p:cNvPr id="4" name="Footer Placeholder 3">
+            <a:extLst>
+              <a:ext uri="{FF2B5EF4-FFF2-40B4-BE49-F238E27FC236}">
+                <a16:creationId xmlns:a16="http://schemas.microsoft.com/office/drawing/2014/main" id="{C78B2B38-CDE2-446A-8B18-275C919A03FA}"/>
+              </a:ext>
+            </a:extLst>
+          </p:cNvPr>
           <p:cNvSpPr>
             <a:spLocks noGrp="1"/>
           </p:cNvSpPr>
@@ -2453,7 +2778,13 @@
       </p:sp>
       <p:sp>
         <p:nvSpPr>
-          <p:cNvPr id="5" name="Slide Number Placeholder 4"/>
+          <p:cNvPr id="5" name="Slide Number Placeholder 4">
+            <a:extLst>
+              <a:ext uri="{FF2B5EF4-FFF2-40B4-BE49-F238E27FC236}">
+                <a16:creationId xmlns:a16="http://schemas.microsoft.com/office/drawing/2014/main" id="{4AC40876-DB5F-4F61-BFA6-DBDB949C95EA}"/>
+              </a:ext>
+            </a:extLst>
+          </p:cNvPr>
           <p:cNvSpPr>
             <a:spLocks noGrp="1"/>
           </p:cNvSpPr>
@@ -2477,7 +2808,7 @@
     </p:spTree>
     <p:extLst>
       <p:ext uri="{BB962C8B-B14F-4D97-AF65-F5344CB8AC3E}">
-        <p14:creationId xmlns:p14="http://schemas.microsoft.com/office/powerpoint/2010/main" val="3403008644"/>
+        <p14:creationId xmlns:p14="http://schemas.microsoft.com/office/powerpoint/2010/main" val="3650562319"/>
       </p:ext>
     </p:extLst>
   </p:cSld>
@@ -2506,7 +2837,13 @@
       </p:grpSpPr>
       <p:sp>
         <p:nvSpPr>
-          <p:cNvPr id="2" name="Date Placeholder 1"/>
+          <p:cNvPr id="2" name="Date Placeholder 1">
+            <a:extLst>
+              <a:ext uri="{FF2B5EF4-FFF2-40B4-BE49-F238E27FC236}">
+                <a16:creationId xmlns:a16="http://schemas.microsoft.com/office/drawing/2014/main" id="{D163E8C7-7721-42F8-B97E-CE3CEF5B6881}"/>
+              </a:ext>
+            </a:extLst>
+          </p:cNvPr>
           <p:cNvSpPr>
             <a:spLocks noGrp="1"/>
           </p:cNvSpPr>
@@ -2521,7 +2858,7 @@
           <a:p>
             <a:fld id="{931C983E-5D3B-4C37-A717-A9919C294E74}" type="datetimeFigureOut">
               <a:rPr lang="en-US" smtClean="0"/>
-              <a:t>7/10/2021</a:t>
+              <a:t>7/12/2021</a:t>
             </a:fld>
             <a:endParaRPr lang="en-US"/>
           </a:p>
@@ -2529,7 +2866,13 @@
       </p:sp>
       <p:sp>
         <p:nvSpPr>
-          <p:cNvPr id="3" name="Footer Placeholder 2"/>
+          <p:cNvPr id="3" name="Footer Placeholder 2">
+            <a:extLst>
+              <a:ext uri="{FF2B5EF4-FFF2-40B4-BE49-F238E27FC236}">
+                <a16:creationId xmlns:a16="http://schemas.microsoft.com/office/drawing/2014/main" id="{97BA6FC1-70F1-4A0F-B607-CC07E7F6CBDE}"/>
+              </a:ext>
+            </a:extLst>
+          </p:cNvPr>
           <p:cNvSpPr>
             <a:spLocks noGrp="1"/>
           </p:cNvSpPr>
@@ -2548,7 +2891,13 @@
       </p:sp>
       <p:sp>
         <p:nvSpPr>
-          <p:cNvPr id="4" name="Slide Number Placeholder 3"/>
+          <p:cNvPr id="4" name="Slide Number Placeholder 3">
+            <a:extLst>
+              <a:ext uri="{FF2B5EF4-FFF2-40B4-BE49-F238E27FC236}">
+                <a16:creationId xmlns:a16="http://schemas.microsoft.com/office/drawing/2014/main" id="{C9910515-C658-4890-A1D8-607D6D3C8065}"/>
+              </a:ext>
+            </a:extLst>
+          </p:cNvPr>
           <p:cNvSpPr>
             <a:spLocks noGrp="1"/>
           </p:cNvSpPr>
@@ -2572,7 +2921,7 @@
     </p:spTree>
     <p:extLst>
       <p:ext uri="{BB962C8B-B14F-4D97-AF65-F5344CB8AC3E}">
-        <p14:creationId xmlns:p14="http://schemas.microsoft.com/office/powerpoint/2010/main" val="4099900130"/>
+        <p14:creationId xmlns:p14="http://schemas.microsoft.com/office/powerpoint/2010/main" val="2879788190"/>
       </p:ext>
     </p:extLst>
   </p:cSld>
@@ -2601,7 +2950,13 @@
       </p:grpSpPr>
       <p:sp>
         <p:nvSpPr>
-          <p:cNvPr id="2" name="Title 1"/>
+          <p:cNvPr id="2" name="Title 1">
+            <a:extLst>
+              <a:ext uri="{FF2B5EF4-FFF2-40B4-BE49-F238E27FC236}">
+                <a16:creationId xmlns:a16="http://schemas.microsoft.com/office/drawing/2014/main" id="{40714046-32FB-4CD8-96DD-97627CAA40F0}"/>
+              </a:ext>
+            </a:extLst>
+          </p:cNvPr>
           <p:cNvSpPr>
             <a:spLocks noGrp="1"/>
           </p:cNvSpPr>
@@ -2627,13 +2982,18 @@
               <a:rPr lang="en-US"/>
               <a:t>Click to edit Master title style</a:t>
             </a:r>
-            <a:endParaRPr lang="en-US" dirty="0"/>
-          </a:p>
-        </p:txBody>
-      </p:sp>
-      <p:sp>
-        <p:nvSpPr>
-          <p:cNvPr id="3" name="Content Placeholder 2"/>
+          </a:p>
+        </p:txBody>
+      </p:sp>
+      <p:sp>
+        <p:nvSpPr>
+          <p:cNvPr id="3" name="Content Placeholder 2">
+            <a:extLst>
+              <a:ext uri="{FF2B5EF4-FFF2-40B4-BE49-F238E27FC236}">
+                <a16:creationId xmlns:a16="http://schemas.microsoft.com/office/drawing/2014/main" id="{2D744A80-06A2-4FA2-B85E-913A13F90F27}"/>
+              </a:ext>
+            </a:extLst>
+          </p:cNvPr>
           <p:cNvSpPr>
             <a:spLocks noGrp="1"/>
           </p:cNvSpPr>
@@ -2712,13 +3072,18 @@
               <a:rPr lang="en-US"/>
               <a:t>Fifth level</a:t>
             </a:r>
-            <a:endParaRPr lang="en-US" dirty="0"/>
-          </a:p>
-        </p:txBody>
-      </p:sp>
-      <p:sp>
-        <p:nvSpPr>
-          <p:cNvPr id="4" name="Text Placeholder 3"/>
+          </a:p>
+        </p:txBody>
+      </p:sp>
+      <p:sp>
+        <p:nvSpPr>
+          <p:cNvPr id="4" name="Text Placeholder 3">
+            <a:extLst>
+              <a:ext uri="{FF2B5EF4-FFF2-40B4-BE49-F238E27FC236}">
+                <a16:creationId xmlns:a16="http://schemas.microsoft.com/office/drawing/2014/main" id="{50FE5FA1-7FA8-4013-AFFE-CB0F8FCA829C}"/>
+              </a:ext>
+            </a:extLst>
+          </p:cNvPr>
           <p:cNvSpPr>
             <a:spLocks noGrp="1"/>
           </p:cNvSpPr>
@@ -2783,7 +3148,13 @@
       </p:sp>
       <p:sp>
         <p:nvSpPr>
-          <p:cNvPr id="5" name="Date Placeholder 4"/>
+          <p:cNvPr id="5" name="Date Placeholder 4">
+            <a:extLst>
+              <a:ext uri="{FF2B5EF4-FFF2-40B4-BE49-F238E27FC236}">
+                <a16:creationId xmlns:a16="http://schemas.microsoft.com/office/drawing/2014/main" id="{B3CA5707-914B-494C-8BE8-D1477ED95FA3}"/>
+              </a:ext>
+            </a:extLst>
+          </p:cNvPr>
           <p:cNvSpPr>
             <a:spLocks noGrp="1"/>
           </p:cNvSpPr>
@@ -2798,7 +3169,7 @@
           <a:p>
             <a:fld id="{931C983E-5D3B-4C37-A717-A9919C294E74}" type="datetimeFigureOut">
               <a:rPr lang="en-US" smtClean="0"/>
-              <a:t>7/10/2021</a:t>
+              <a:t>7/12/2021</a:t>
             </a:fld>
             <a:endParaRPr lang="en-US"/>
           </a:p>
@@ -2806,7 +3177,13 @@
       </p:sp>
       <p:sp>
         <p:nvSpPr>
-          <p:cNvPr id="6" name="Footer Placeholder 5"/>
+          <p:cNvPr id="6" name="Footer Placeholder 5">
+            <a:extLst>
+              <a:ext uri="{FF2B5EF4-FFF2-40B4-BE49-F238E27FC236}">
+                <a16:creationId xmlns:a16="http://schemas.microsoft.com/office/drawing/2014/main" id="{8C3B03BC-ACC2-4F6B-89C5-403D5C882852}"/>
+              </a:ext>
+            </a:extLst>
+          </p:cNvPr>
           <p:cNvSpPr>
             <a:spLocks noGrp="1"/>
           </p:cNvSpPr>
@@ -2825,7 +3202,13 @@
       </p:sp>
       <p:sp>
         <p:nvSpPr>
-          <p:cNvPr id="7" name="Slide Number Placeholder 6"/>
+          <p:cNvPr id="7" name="Slide Number Placeholder 6">
+            <a:extLst>
+              <a:ext uri="{FF2B5EF4-FFF2-40B4-BE49-F238E27FC236}">
+                <a16:creationId xmlns:a16="http://schemas.microsoft.com/office/drawing/2014/main" id="{2CC25692-419B-4FEB-97A9-745989960F46}"/>
+              </a:ext>
+            </a:extLst>
+          </p:cNvPr>
           <p:cNvSpPr>
             <a:spLocks noGrp="1"/>
           </p:cNvSpPr>
@@ -2849,7 +3232,7 @@
     </p:spTree>
     <p:extLst>
       <p:ext uri="{BB962C8B-B14F-4D97-AF65-F5344CB8AC3E}">
-        <p14:creationId xmlns:p14="http://schemas.microsoft.com/office/powerpoint/2010/main" val="1931785241"/>
+        <p14:creationId xmlns:p14="http://schemas.microsoft.com/office/powerpoint/2010/main" val="4088824851"/>
       </p:ext>
     </p:extLst>
   </p:cSld>
@@ -2878,7 +3261,13 @@
       </p:grpSpPr>
       <p:sp>
         <p:nvSpPr>
-          <p:cNvPr id="2" name="Title 1"/>
+          <p:cNvPr id="2" name="Title 1">
+            <a:extLst>
+              <a:ext uri="{FF2B5EF4-FFF2-40B4-BE49-F238E27FC236}">
+                <a16:creationId xmlns:a16="http://schemas.microsoft.com/office/drawing/2014/main" id="{B6778A7C-C8BA-488A-B287-24F3615EC2C1}"/>
+              </a:ext>
+            </a:extLst>
+          </p:cNvPr>
           <p:cNvSpPr>
             <a:spLocks noGrp="1"/>
           </p:cNvSpPr>
@@ -2904,15 +3293,20 @@
               <a:rPr lang="en-US"/>
               <a:t>Click to edit Master title style</a:t>
             </a:r>
-            <a:endParaRPr lang="en-US" dirty="0"/>
-          </a:p>
-        </p:txBody>
-      </p:sp>
-      <p:sp>
-        <p:nvSpPr>
-          <p:cNvPr id="3" name="Picture Placeholder 2"/>
-          <p:cNvSpPr>
-            <a:spLocks noGrp="1" noChangeAspect="1"/>
+          </a:p>
+        </p:txBody>
+      </p:sp>
+      <p:sp>
+        <p:nvSpPr>
+          <p:cNvPr id="3" name="Picture Placeholder 2">
+            <a:extLst>
+              <a:ext uri="{FF2B5EF4-FFF2-40B4-BE49-F238E27FC236}">
+                <a16:creationId xmlns:a16="http://schemas.microsoft.com/office/drawing/2014/main" id="{F322F604-CF78-4183-88D7-4BE1E1D77195}"/>
+              </a:ext>
+            </a:extLst>
+          </p:cNvPr>
+          <p:cNvSpPr>
+            <a:spLocks noGrp="1"/>
           </p:cNvSpPr>
           <p:nvPr>
             <p:ph type="pic" idx="1"/>
@@ -2925,7 +3319,7 @@
           </a:xfrm>
         </p:spPr>
         <p:txBody>
-          <a:bodyPr anchor="t"/>
+          <a:bodyPr/>
           <a:lstStyle>
             <a:lvl1pPr marL="0" indent="0">
               <a:buNone/>
@@ -2965,17 +3359,19 @@
             </a:lvl9pPr>
           </a:lstStyle>
           <a:p>
-            <a:r>
-              <a:rPr lang="en-US"/>
-              <a:t>Click icon to add picture</a:t>
-            </a:r>
-            <a:endParaRPr lang="en-US" dirty="0"/>
-          </a:p>
-        </p:txBody>
-      </p:sp>
-      <p:sp>
-        <p:nvSpPr>
-          <p:cNvPr id="4" name="Text Placeholder 3"/>
+            <a:endParaRPr lang="en-US"/>
+          </a:p>
+        </p:txBody>
+      </p:sp>
+      <p:sp>
+        <p:nvSpPr>
+          <p:cNvPr id="4" name="Text Placeholder 3">
+            <a:extLst>
+              <a:ext uri="{FF2B5EF4-FFF2-40B4-BE49-F238E27FC236}">
+                <a16:creationId xmlns:a16="http://schemas.microsoft.com/office/drawing/2014/main" id="{824A3750-D374-41EE-84C1-C210DF6B03C6}"/>
+              </a:ext>
+            </a:extLst>
+          </p:cNvPr>
           <p:cNvSpPr>
             <a:spLocks noGrp="1"/>
           </p:cNvSpPr>
@@ -3040,7 +3436,13 @@
       </p:sp>
       <p:sp>
         <p:nvSpPr>
-          <p:cNvPr id="5" name="Date Placeholder 4"/>
+          <p:cNvPr id="5" name="Date Placeholder 4">
+            <a:extLst>
+              <a:ext uri="{FF2B5EF4-FFF2-40B4-BE49-F238E27FC236}">
+                <a16:creationId xmlns:a16="http://schemas.microsoft.com/office/drawing/2014/main" id="{98F0CC84-CEAC-44E1-B020-958432EC4202}"/>
+              </a:ext>
+            </a:extLst>
+          </p:cNvPr>
           <p:cNvSpPr>
             <a:spLocks noGrp="1"/>
           </p:cNvSpPr>
@@ -3055,7 +3457,7 @@
           <a:p>
             <a:fld id="{931C983E-5D3B-4C37-A717-A9919C294E74}" type="datetimeFigureOut">
               <a:rPr lang="en-US" smtClean="0"/>
-              <a:t>7/10/2021</a:t>
+              <a:t>7/12/2021</a:t>
             </a:fld>
             <a:endParaRPr lang="en-US"/>
           </a:p>
@@ -3063,7 +3465,13 @@
       </p:sp>
       <p:sp>
         <p:nvSpPr>
-          <p:cNvPr id="6" name="Footer Placeholder 5"/>
+          <p:cNvPr id="6" name="Footer Placeholder 5">
+            <a:extLst>
+              <a:ext uri="{FF2B5EF4-FFF2-40B4-BE49-F238E27FC236}">
+                <a16:creationId xmlns:a16="http://schemas.microsoft.com/office/drawing/2014/main" id="{90D6D1B3-6C32-4707-A35C-04A98734B939}"/>
+              </a:ext>
+            </a:extLst>
+          </p:cNvPr>
           <p:cNvSpPr>
             <a:spLocks noGrp="1"/>
           </p:cNvSpPr>
@@ -3082,7 +3490,13 @@
       </p:sp>
       <p:sp>
         <p:nvSpPr>
-          <p:cNvPr id="7" name="Slide Number Placeholder 6"/>
+          <p:cNvPr id="7" name="Slide Number Placeholder 6">
+            <a:extLst>
+              <a:ext uri="{FF2B5EF4-FFF2-40B4-BE49-F238E27FC236}">
+                <a16:creationId xmlns:a16="http://schemas.microsoft.com/office/drawing/2014/main" id="{578016FD-9F65-4D31-84EB-05A12786B7CB}"/>
+              </a:ext>
+            </a:extLst>
+          </p:cNvPr>
           <p:cNvSpPr>
             <a:spLocks noGrp="1"/>
           </p:cNvSpPr>
@@ -3106,7 +3520,7 @@
     </p:spTree>
     <p:extLst>
       <p:ext uri="{BB962C8B-B14F-4D97-AF65-F5344CB8AC3E}">
-        <p14:creationId xmlns:p14="http://schemas.microsoft.com/office/powerpoint/2010/main" val="3284391791"/>
+        <p14:creationId xmlns:p14="http://schemas.microsoft.com/office/powerpoint/2010/main" val="3505467162"/>
       </p:ext>
     </p:extLst>
   </p:cSld>
@@ -3140,7 +3554,13 @@
       </p:grpSpPr>
       <p:sp>
         <p:nvSpPr>
-          <p:cNvPr id="2" name="Title Placeholder 1"/>
+          <p:cNvPr id="2" name="Title Placeholder 1">
+            <a:extLst>
+              <a:ext uri="{FF2B5EF4-FFF2-40B4-BE49-F238E27FC236}">
+                <a16:creationId xmlns:a16="http://schemas.microsoft.com/office/drawing/2014/main" id="{E482B910-F1C5-4ACE-B6B9-C95DB9DA7604}"/>
+              </a:ext>
+            </a:extLst>
+          </p:cNvPr>
           <p:cNvSpPr>
             <a:spLocks noGrp="1"/>
           </p:cNvSpPr>
@@ -3167,13 +3587,18 @@
               <a:rPr lang="en-US"/>
               <a:t>Click to edit Master title style</a:t>
             </a:r>
-            <a:endParaRPr lang="en-US" dirty="0"/>
-          </a:p>
-        </p:txBody>
-      </p:sp>
-      <p:sp>
-        <p:nvSpPr>
-          <p:cNvPr id="3" name="Text Placeholder 2"/>
+          </a:p>
+        </p:txBody>
+      </p:sp>
+      <p:sp>
+        <p:nvSpPr>
+          <p:cNvPr id="3" name="Text Placeholder 2">
+            <a:extLst>
+              <a:ext uri="{FF2B5EF4-FFF2-40B4-BE49-F238E27FC236}">
+                <a16:creationId xmlns:a16="http://schemas.microsoft.com/office/drawing/2014/main" id="{AF6B69C2-9383-487A-B99D-EE8F1B89A33F}"/>
+              </a:ext>
+            </a:extLst>
+          </p:cNvPr>
           <p:cNvSpPr>
             <a:spLocks noGrp="1"/>
           </p:cNvSpPr>
@@ -3229,13 +3654,18 @@
               <a:rPr lang="en-US"/>
               <a:t>Fifth level</a:t>
             </a:r>
-            <a:endParaRPr lang="en-US" dirty="0"/>
-          </a:p>
-        </p:txBody>
-      </p:sp>
-      <p:sp>
-        <p:nvSpPr>
-          <p:cNvPr id="4" name="Date Placeholder 3"/>
+          </a:p>
+        </p:txBody>
+      </p:sp>
+      <p:sp>
+        <p:nvSpPr>
+          <p:cNvPr id="4" name="Date Placeholder 3">
+            <a:extLst>
+              <a:ext uri="{FF2B5EF4-FFF2-40B4-BE49-F238E27FC236}">
+                <a16:creationId xmlns:a16="http://schemas.microsoft.com/office/drawing/2014/main" id="{506CA59D-EBCC-44EE-854E-C4F1038149F1}"/>
+              </a:ext>
+            </a:extLst>
+          </p:cNvPr>
           <p:cNvSpPr>
             <a:spLocks noGrp="1"/>
           </p:cNvSpPr>
@@ -3268,7 +3698,7 @@
           <a:p>
             <a:fld id="{931C983E-5D3B-4C37-A717-A9919C294E74}" type="datetimeFigureOut">
               <a:rPr lang="en-US" smtClean="0"/>
-              <a:t>7/10/2021</a:t>
+              <a:t>7/12/2021</a:t>
             </a:fld>
             <a:endParaRPr lang="en-US"/>
           </a:p>
@@ -3276,7 +3706,13 @@
       </p:sp>
       <p:sp>
         <p:nvSpPr>
-          <p:cNvPr id="5" name="Footer Placeholder 4"/>
+          <p:cNvPr id="5" name="Footer Placeholder 4">
+            <a:extLst>
+              <a:ext uri="{FF2B5EF4-FFF2-40B4-BE49-F238E27FC236}">
+                <a16:creationId xmlns:a16="http://schemas.microsoft.com/office/drawing/2014/main" id="{925A112B-9CE7-4EB0-B826-921B8CFFDD76}"/>
+              </a:ext>
+            </a:extLst>
+          </p:cNvPr>
           <p:cNvSpPr>
             <a:spLocks noGrp="1"/>
           </p:cNvSpPr>
@@ -3313,7 +3749,13 @@
       </p:sp>
       <p:sp>
         <p:nvSpPr>
-          <p:cNvPr id="6" name="Slide Number Placeholder 5"/>
+          <p:cNvPr id="6" name="Slide Number Placeholder 5">
+            <a:extLst>
+              <a:ext uri="{FF2B5EF4-FFF2-40B4-BE49-F238E27FC236}">
+                <a16:creationId xmlns:a16="http://schemas.microsoft.com/office/drawing/2014/main" id="{AC04A0A4-16BE-4C5C-A710-148EB1E58ACC}"/>
+              </a:ext>
+            </a:extLst>
+          </p:cNvPr>
           <p:cNvSpPr>
             <a:spLocks noGrp="1"/>
           </p:cNvSpPr>
@@ -3355,23 +3797,23 @@
     </p:spTree>
     <p:extLst>
       <p:ext uri="{BB962C8B-B14F-4D97-AF65-F5344CB8AC3E}">
-        <p14:creationId xmlns:p14="http://schemas.microsoft.com/office/powerpoint/2010/main" val="1438907634"/>
+        <p14:creationId xmlns:p14="http://schemas.microsoft.com/office/powerpoint/2010/main" val="1123264304"/>
       </p:ext>
     </p:extLst>
   </p:cSld>
   <p:clrMap bg1="lt1" tx1="dk1" bg2="lt2" tx2="dk2" accent1="accent1" accent2="accent2" accent3="accent3" accent4="accent4" accent5="accent5" accent6="accent6" hlink="hlink" folHlink="folHlink"/>
   <p:sldLayoutIdLst>
-    <p:sldLayoutId id="2147483726" r:id="rId1"/>
-    <p:sldLayoutId id="2147483727" r:id="rId2"/>
-    <p:sldLayoutId id="2147483728" r:id="rId3"/>
-    <p:sldLayoutId id="2147483729" r:id="rId4"/>
-    <p:sldLayoutId id="2147483730" r:id="rId5"/>
-    <p:sldLayoutId id="2147483731" r:id="rId6"/>
-    <p:sldLayoutId id="2147483732" r:id="rId7"/>
-    <p:sldLayoutId id="2147483733" r:id="rId8"/>
-    <p:sldLayoutId id="2147483734" r:id="rId9"/>
-    <p:sldLayoutId id="2147483735" r:id="rId10"/>
-    <p:sldLayoutId id="2147483736" r:id="rId11"/>
+    <p:sldLayoutId id="2147483796" r:id="rId1"/>
+    <p:sldLayoutId id="2147483797" r:id="rId2"/>
+    <p:sldLayoutId id="2147483798" r:id="rId3"/>
+    <p:sldLayoutId id="2147483799" r:id="rId4"/>
+    <p:sldLayoutId id="2147483800" r:id="rId5"/>
+    <p:sldLayoutId id="2147483801" r:id="rId6"/>
+    <p:sldLayoutId id="2147483802" r:id="rId7"/>
+    <p:sldLayoutId id="2147483803" r:id="rId8"/>
+    <p:sldLayoutId id="2147483804" r:id="rId9"/>
+    <p:sldLayoutId id="2147483805" r:id="rId10"/>
+    <p:sldLayoutId id="2147483806" r:id="rId11"/>
   </p:sldLayoutIdLst>
   <p:txStyles>
     <p:titleStyle>
@@ -4489,7 +4931,7 @@
           </p:nvPr>
         </p:nvPicPr>
         <p:blipFill>
-          <a:blip r:embed="rId2"/>
+          <a:blip r:embed="rId3"/>
           <a:stretch>
             <a:fillRect/>
           </a:stretch>
@@ -5438,7 +5880,7 @@
 <file path=ppt/theme/theme1.xml><?xml version="1.0" encoding="utf-8"?>
 <a:theme xmlns:a="http://schemas.openxmlformats.org/drawingml/2006/main" name="Office Theme">
   <a:themeElements>
-    <a:clrScheme name="Office Theme">
+    <a:clrScheme name="Office">
       <a:dk1>
         <a:sysClr val="windowText" lastClr="000000"/>
       </a:dk1>
@@ -5476,7 +5918,7 @@
         <a:srgbClr val="954F72"/>
       </a:folHlink>
     </a:clrScheme>
-    <a:fontScheme name="Office Theme">
+    <a:fontScheme name="Office">
       <a:majorFont>
         <a:latin typeface="Calibri Light" panose="020F0302020204030204"/>
         <a:ea typeface=""/>
@@ -5511,6 +5953,23 @@
         <a:font script="Viet" typeface="Times New Roman"/>
         <a:font script="Uigh" typeface="Microsoft Uighur"/>
         <a:font script="Geor" typeface="Sylfaen"/>
+        <a:font script="Armn" typeface="Arial"/>
+        <a:font script="Bugi" typeface="Leelawadee UI"/>
+        <a:font script="Bopo" typeface="Microsoft JhengHei"/>
+        <a:font script="Java" typeface="Javanese Text"/>
+        <a:font script="Lisu" typeface="Segoe UI"/>
+        <a:font script="Mymr" typeface="Myanmar Text"/>
+        <a:font script="Nkoo" typeface="Ebrima"/>
+        <a:font script="Olck" typeface="Nirmala UI"/>
+        <a:font script="Osma" typeface="Ebrima"/>
+        <a:font script="Phag" typeface="Phagspa"/>
+        <a:font script="Syrn" typeface="Estrangelo Edessa"/>
+        <a:font script="Syrj" typeface="Estrangelo Edessa"/>
+        <a:font script="Syre" typeface="Estrangelo Edessa"/>
+        <a:font script="Sora" typeface="Nirmala UI"/>
+        <a:font script="Tale" typeface="Microsoft Tai Le"/>
+        <a:font script="Talu" typeface="Microsoft New Tai Lue"/>
+        <a:font script="Tfng" typeface="Ebrima"/>
       </a:majorFont>
       <a:minorFont>
         <a:latin typeface="Calibri" panose="020F0502020204030204"/>
@@ -5546,9 +6005,26 @@
         <a:font script="Viet" typeface="Arial"/>
         <a:font script="Uigh" typeface="Microsoft Uighur"/>
         <a:font script="Geor" typeface="Sylfaen"/>
+        <a:font script="Armn" typeface="Arial"/>
+        <a:font script="Bugi" typeface="Leelawadee UI"/>
+        <a:font script="Bopo" typeface="Microsoft JhengHei"/>
+        <a:font script="Java" typeface="Javanese Text"/>
+        <a:font script="Lisu" typeface="Segoe UI"/>
+        <a:font script="Mymr" typeface="Myanmar Text"/>
+        <a:font script="Nkoo" typeface="Ebrima"/>
+        <a:font script="Olck" typeface="Nirmala UI"/>
+        <a:font script="Osma" typeface="Ebrima"/>
+        <a:font script="Phag" typeface="Phagspa"/>
+        <a:font script="Syrn" typeface="Estrangelo Edessa"/>
+        <a:font script="Syrj" typeface="Estrangelo Edessa"/>
+        <a:font script="Syre" typeface="Estrangelo Edessa"/>
+        <a:font script="Sora" typeface="Nirmala UI"/>
+        <a:font script="Tale" typeface="Microsoft Tai Le"/>
+        <a:font script="Talu" typeface="Microsoft New Tai Lue"/>
+        <a:font script="Tfng" typeface="Ebrima"/>
       </a:minorFont>
     </a:fontScheme>
-    <a:fmtScheme name="Office Theme">
+    <a:fmtScheme name="Office">
       <a:fillStyleLst>
         <a:solidFill>
           <a:schemeClr val="phClr"/>
